--- a/statechart.pptx
+++ b/statechart.pptx
@@ -6,6 +6,7 @@
   </p:sldMasterIdLst>
   <p:sldIdLst>
     <p:sldId id="256" r:id="rId2"/>
+    <p:sldId id="257" r:id="rId3"/>
   </p:sldIdLst>
   <p:sldSz cx="12192000" cy="6858000"/>
   <p:notesSz cx="6858000" cy="9144000"/>
@@ -243,7 +244,7 @@
           <a:p>
             <a:fld id="{A6EE3AE1-0084-471B-9BF1-BC79825A0D49}" type="datetimeFigureOut">
               <a:rPr lang="it-IT" smtClean="0"/>
-              <a:t>14/10/2017</a:t>
+              <a:t>26/10/2017</a:t>
             </a:fld>
             <a:endParaRPr lang="it-IT"/>
           </a:p>
@@ -413,7 +414,7 @@
           <a:p>
             <a:fld id="{A6EE3AE1-0084-471B-9BF1-BC79825A0D49}" type="datetimeFigureOut">
               <a:rPr lang="it-IT" smtClean="0"/>
-              <a:t>14/10/2017</a:t>
+              <a:t>26/10/2017</a:t>
             </a:fld>
             <a:endParaRPr lang="it-IT"/>
           </a:p>
@@ -593,7 +594,7 @@
           <a:p>
             <a:fld id="{A6EE3AE1-0084-471B-9BF1-BC79825A0D49}" type="datetimeFigureOut">
               <a:rPr lang="it-IT" smtClean="0"/>
-              <a:t>14/10/2017</a:t>
+              <a:t>26/10/2017</a:t>
             </a:fld>
             <a:endParaRPr lang="it-IT"/>
           </a:p>
@@ -763,7 +764,7 @@
           <a:p>
             <a:fld id="{A6EE3AE1-0084-471B-9BF1-BC79825A0D49}" type="datetimeFigureOut">
               <a:rPr lang="it-IT" smtClean="0"/>
-              <a:t>14/10/2017</a:t>
+              <a:t>26/10/2017</a:t>
             </a:fld>
             <a:endParaRPr lang="it-IT"/>
           </a:p>
@@ -1009,7 +1010,7 @@
           <a:p>
             <a:fld id="{A6EE3AE1-0084-471B-9BF1-BC79825A0D49}" type="datetimeFigureOut">
               <a:rPr lang="it-IT" smtClean="0"/>
-              <a:t>14/10/2017</a:t>
+              <a:t>26/10/2017</a:t>
             </a:fld>
             <a:endParaRPr lang="it-IT"/>
           </a:p>
@@ -1241,7 +1242,7 @@
           <a:p>
             <a:fld id="{A6EE3AE1-0084-471B-9BF1-BC79825A0D49}" type="datetimeFigureOut">
               <a:rPr lang="it-IT" smtClean="0"/>
-              <a:t>14/10/2017</a:t>
+              <a:t>26/10/2017</a:t>
             </a:fld>
             <a:endParaRPr lang="it-IT"/>
           </a:p>
@@ -1608,7 +1609,7 @@
           <a:p>
             <a:fld id="{A6EE3AE1-0084-471B-9BF1-BC79825A0D49}" type="datetimeFigureOut">
               <a:rPr lang="it-IT" smtClean="0"/>
-              <a:t>14/10/2017</a:t>
+              <a:t>26/10/2017</a:t>
             </a:fld>
             <a:endParaRPr lang="it-IT"/>
           </a:p>
@@ -1726,7 +1727,7 @@
           <a:p>
             <a:fld id="{A6EE3AE1-0084-471B-9BF1-BC79825A0D49}" type="datetimeFigureOut">
               <a:rPr lang="it-IT" smtClean="0"/>
-              <a:t>14/10/2017</a:t>
+              <a:t>26/10/2017</a:t>
             </a:fld>
             <a:endParaRPr lang="it-IT"/>
           </a:p>
@@ -1821,7 +1822,7 @@
           <a:p>
             <a:fld id="{A6EE3AE1-0084-471B-9BF1-BC79825A0D49}" type="datetimeFigureOut">
               <a:rPr lang="it-IT" smtClean="0"/>
-              <a:t>14/10/2017</a:t>
+              <a:t>26/10/2017</a:t>
             </a:fld>
             <a:endParaRPr lang="it-IT"/>
           </a:p>
@@ -2098,7 +2099,7 @@
           <a:p>
             <a:fld id="{A6EE3AE1-0084-471B-9BF1-BC79825A0D49}" type="datetimeFigureOut">
               <a:rPr lang="it-IT" smtClean="0"/>
-              <a:t>14/10/2017</a:t>
+              <a:t>26/10/2017</a:t>
             </a:fld>
             <a:endParaRPr lang="it-IT"/>
           </a:p>
@@ -2351,7 +2352,7 @@
           <a:p>
             <a:fld id="{A6EE3AE1-0084-471B-9BF1-BC79825A0D49}" type="datetimeFigureOut">
               <a:rPr lang="it-IT" smtClean="0"/>
-              <a:t>14/10/2017</a:t>
+              <a:t>26/10/2017</a:t>
             </a:fld>
             <a:endParaRPr lang="it-IT"/>
           </a:p>
@@ -2564,7 +2565,7 @@
           <a:p>
             <a:fld id="{A6EE3AE1-0084-471B-9BF1-BC79825A0D49}" type="datetimeFigureOut">
               <a:rPr lang="it-IT" smtClean="0"/>
-              <a:t>14/10/2017</a:t>
+              <a:t>26/10/2017</a:t>
             </a:fld>
             <a:endParaRPr lang="it-IT"/>
           </a:p>
@@ -3013,7 +3014,7 @@
           <a:lstStyle/>
           <a:p>
             <a:pPr algn="ctr"/>
-            <a:endParaRPr lang="it-IT"/>
+            <a:endParaRPr lang="it-IT" dirty="0"/>
           </a:p>
         </p:txBody>
       </p:sp>
@@ -4083,6 +4084,1027 @@
     <p:extLst>
       <p:ext uri="{BB962C8B-B14F-4D97-AF65-F5344CB8AC3E}">
         <p14:creationId xmlns:p14="http://schemas.microsoft.com/office/powerpoint/2010/main" val="3698239959"/>
+      </p:ext>
+    </p:extLst>
+  </p:cSld>
+  <p:clrMapOvr>
+    <a:masterClrMapping/>
+  </p:clrMapOvr>
+</p:sld>
+</file>
+
+<file path=ppt/slides/slide2.xml><?xml version="1.0" encoding="utf-8"?>
+<p:sld xmlns:a="http://schemas.openxmlformats.org/drawingml/2006/main" xmlns:r="http://schemas.openxmlformats.org/officeDocument/2006/relationships" xmlns:p="http://schemas.openxmlformats.org/presentationml/2006/main">
+  <p:cSld>
+    <p:spTree>
+      <p:nvGrpSpPr>
+        <p:cNvPr id="1" name=""/>
+        <p:cNvGrpSpPr/>
+        <p:nvPr/>
+      </p:nvGrpSpPr>
+      <p:grpSpPr>
+        <a:xfrm>
+          <a:off x="0" y="0"/>
+          <a:ext cx="0" cy="0"/>
+          <a:chOff x="0" y="0"/>
+          <a:chExt cx="0" cy="0"/>
+        </a:xfrm>
+      </p:grpSpPr>
+      <p:sp>
+        <p:nvSpPr>
+          <p:cNvPr id="4" name="Ovale 3"/>
+          <p:cNvSpPr/>
+          <p:nvPr/>
+        </p:nvSpPr>
+        <p:spPr>
+          <a:xfrm>
+            <a:off x="987254" y="2237842"/>
+            <a:ext cx="296214" cy="283335"/>
+          </a:xfrm>
+          <a:prstGeom prst="ellipse">
+            <a:avLst/>
+          </a:prstGeom>
+          <a:solidFill>
+            <a:schemeClr val="tx1"/>
+          </a:solidFill>
+          <a:ln w="12700">
+            <a:solidFill>
+              <a:schemeClr val="bg2"/>
+            </a:solidFill>
+          </a:ln>
+        </p:spPr>
+        <p:style>
+          <a:lnRef idx="2">
+            <a:schemeClr val="accent1">
+              <a:shade val="50000"/>
+            </a:schemeClr>
+          </a:lnRef>
+          <a:fillRef idx="1">
+            <a:schemeClr val="accent1"/>
+          </a:fillRef>
+          <a:effectRef idx="0">
+            <a:schemeClr val="accent1"/>
+          </a:effectRef>
+          <a:fontRef idx="minor">
+            <a:schemeClr val="lt1"/>
+          </a:fontRef>
+        </p:style>
+        <p:txBody>
+          <a:bodyPr rtlCol="0" anchor="ctr"/>
+          <a:lstStyle/>
+          <a:p>
+            <a:pPr algn="ctr"/>
+            <a:endParaRPr lang="it-IT" dirty="0"/>
+          </a:p>
+        </p:txBody>
+      </p:sp>
+      <p:sp>
+        <p:nvSpPr>
+          <p:cNvPr id="5" name="CasellaDiTesto 4"/>
+          <p:cNvSpPr txBox="1"/>
+          <p:nvPr/>
+        </p:nvSpPr>
+        <p:spPr>
+          <a:xfrm>
+            <a:off x="734096" y="759854"/>
+            <a:ext cx="1429174" cy="369332"/>
+          </a:xfrm>
+          <a:prstGeom prst="rect">
+            <a:avLst/>
+          </a:prstGeom>
+          <a:noFill/>
+        </p:spPr>
+        <p:txBody>
+          <a:bodyPr wrap="none" rtlCol="0">
+            <a:spAutoFit/>
+          </a:bodyPr>
+          <a:lstStyle/>
+          <a:p>
+            <a:r>
+              <a:rPr lang="en-GB" dirty="0" smtClean="0"/>
+              <a:t>Appointment</a:t>
+            </a:r>
+            <a:endParaRPr lang="en-GB" dirty="0"/>
+          </a:p>
+        </p:txBody>
+      </p:sp>
+      <p:cxnSp>
+        <p:nvCxnSpPr>
+          <p:cNvPr id="7" name="Connettore 2 6"/>
+          <p:cNvCxnSpPr>
+            <a:stCxn id="4" idx="7"/>
+            <a:endCxn id="8" idx="1"/>
+          </p:cNvCxnSpPr>
+          <p:nvPr/>
+        </p:nvCxnSpPr>
+        <p:spPr>
+          <a:xfrm flipV="1">
+            <a:off x="1240088" y="1272931"/>
+            <a:ext cx="1773565" cy="1006404"/>
+          </a:xfrm>
+          <a:prstGeom prst="straightConnector1">
+            <a:avLst/>
+          </a:prstGeom>
+          <a:ln>
+            <a:tailEnd type="triangle"/>
+          </a:ln>
+        </p:spPr>
+        <p:style>
+          <a:lnRef idx="1">
+            <a:schemeClr val="accent1"/>
+          </a:lnRef>
+          <a:fillRef idx="0">
+            <a:schemeClr val="accent1"/>
+          </a:fillRef>
+          <a:effectRef idx="0">
+            <a:schemeClr val="accent1"/>
+          </a:effectRef>
+          <a:fontRef idx="minor">
+            <a:schemeClr val="tx1"/>
+          </a:fontRef>
+        </p:style>
+      </p:cxnSp>
+      <p:sp>
+        <p:nvSpPr>
+          <p:cNvPr id="8" name="Rettangolo arrotondato 7"/>
+          <p:cNvSpPr/>
+          <p:nvPr/>
+        </p:nvSpPr>
+        <p:spPr>
+          <a:xfrm>
+            <a:off x="3013653" y="944520"/>
+            <a:ext cx="1584101" cy="656822"/>
+          </a:xfrm>
+          <a:prstGeom prst="roundRect">
+            <a:avLst/>
+          </a:prstGeom>
+        </p:spPr>
+        <p:style>
+          <a:lnRef idx="2">
+            <a:schemeClr val="accent1">
+              <a:shade val="50000"/>
+            </a:schemeClr>
+          </a:lnRef>
+          <a:fillRef idx="1">
+            <a:schemeClr val="accent1"/>
+          </a:fillRef>
+          <a:effectRef idx="0">
+            <a:schemeClr val="accent1"/>
+          </a:effectRef>
+          <a:fontRef idx="minor">
+            <a:schemeClr val="lt1"/>
+          </a:fontRef>
+        </p:style>
+        <p:txBody>
+          <a:bodyPr rtlCol="0" anchor="ctr"/>
+          <a:lstStyle/>
+          <a:p>
+            <a:pPr algn="ctr"/>
+            <a:r>
+              <a:rPr lang="it-IT" dirty="0" err="1" smtClean="0"/>
+              <a:t>Unreachable</a:t>
+            </a:r>
+            <a:endParaRPr lang="it-IT" dirty="0"/>
+          </a:p>
+        </p:txBody>
+      </p:sp>
+      <p:sp>
+        <p:nvSpPr>
+          <p:cNvPr id="13" name="CasellaDiTesto 12"/>
+          <p:cNvSpPr txBox="1"/>
+          <p:nvPr/>
+        </p:nvSpPr>
+        <p:spPr>
+          <a:xfrm>
+            <a:off x="5548559" y="4938149"/>
+            <a:ext cx="1031051" cy="369332"/>
+          </a:xfrm>
+          <a:prstGeom prst="rect">
+            <a:avLst/>
+          </a:prstGeom>
+          <a:noFill/>
+        </p:spPr>
+        <p:txBody>
+          <a:bodyPr wrap="none" rtlCol="0">
+            <a:spAutoFit/>
+          </a:bodyPr>
+          <a:lstStyle/>
+          <a:p>
+            <a:r>
+              <a:rPr lang="it-IT" dirty="0" err="1" smtClean="0"/>
+              <a:t>Checking</a:t>
+            </a:r>
+            <a:endParaRPr lang="it-IT" dirty="0" smtClean="0"/>
+          </a:p>
+        </p:txBody>
+      </p:sp>
+      <p:sp>
+        <p:nvSpPr>
+          <p:cNvPr id="19" name="Rettangolo arrotondato 18"/>
+          <p:cNvSpPr/>
+          <p:nvPr/>
+        </p:nvSpPr>
+        <p:spPr>
+          <a:xfrm>
+            <a:off x="3013654" y="3174781"/>
+            <a:ext cx="1584101" cy="656822"/>
+          </a:xfrm>
+          <a:prstGeom prst="roundRect">
+            <a:avLst/>
+          </a:prstGeom>
+        </p:spPr>
+        <p:style>
+          <a:lnRef idx="2">
+            <a:schemeClr val="accent1">
+              <a:shade val="50000"/>
+            </a:schemeClr>
+          </a:lnRef>
+          <a:fillRef idx="1">
+            <a:schemeClr val="accent1"/>
+          </a:fillRef>
+          <a:effectRef idx="0">
+            <a:schemeClr val="accent1"/>
+          </a:effectRef>
+          <a:fontRef idx="minor">
+            <a:schemeClr val="lt1"/>
+          </a:fontRef>
+        </p:style>
+        <p:txBody>
+          <a:bodyPr rtlCol="0" anchor="ctr"/>
+          <a:lstStyle/>
+          <a:p>
+            <a:pPr algn="ctr"/>
+            <a:r>
+              <a:rPr lang="it-IT" dirty="0" err="1" smtClean="0"/>
+              <a:t>Overlapped</a:t>
+            </a:r>
+            <a:endParaRPr lang="it-IT" dirty="0" smtClean="0"/>
+          </a:p>
+        </p:txBody>
+      </p:sp>
+      <p:cxnSp>
+        <p:nvCxnSpPr>
+          <p:cNvPr id="20" name="Connettore 2 19"/>
+          <p:cNvCxnSpPr>
+            <a:stCxn id="4" idx="5"/>
+          </p:cNvCxnSpPr>
+          <p:nvPr/>
+        </p:nvCxnSpPr>
+        <p:spPr>
+          <a:xfrm>
+            <a:off x="1240088" y="2479684"/>
+            <a:ext cx="1799324" cy="997750"/>
+          </a:xfrm>
+          <a:prstGeom prst="straightConnector1">
+            <a:avLst/>
+          </a:prstGeom>
+          <a:ln>
+            <a:tailEnd type="triangle"/>
+          </a:ln>
+        </p:spPr>
+        <p:style>
+          <a:lnRef idx="1">
+            <a:schemeClr val="accent1"/>
+          </a:lnRef>
+          <a:fillRef idx="0">
+            <a:schemeClr val="accent1"/>
+          </a:fillRef>
+          <a:effectRef idx="0">
+            <a:schemeClr val="accent1"/>
+          </a:effectRef>
+          <a:fontRef idx="minor">
+            <a:schemeClr val="tx1"/>
+          </a:fontRef>
+        </p:style>
+      </p:cxnSp>
+      <p:cxnSp>
+        <p:nvCxnSpPr>
+          <p:cNvPr id="23" name="Connettore 2 22"/>
+          <p:cNvCxnSpPr>
+            <a:stCxn id="4" idx="6"/>
+          </p:cNvCxnSpPr>
+          <p:nvPr/>
+        </p:nvCxnSpPr>
+        <p:spPr>
+          <a:xfrm flipV="1">
+            <a:off x="1283468" y="2379509"/>
+            <a:ext cx="1755944" cy="1"/>
+          </a:xfrm>
+          <a:prstGeom prst="straightConnector1">
+            <a:avLst/>
+          </a:prstGeom>
+          <a:ln>
+            <a:tailEnd type="triangle"/>
+          </a:ln>
+        </p:spPr>
+        <p:style>
+          <a:lnRef idx="1">
+            <a:schemeClr val="accent1"/>
+          </a:lnRef>
+          <a:fillRef idx="0">
+            <a:schemeClr val="accent1"/>
+          </a:fillRef>
+          <a:effectRef idx="0">
+            <a:schemeClr val="accent1"/>
+          </a:effectRef>
+          <a:fontRef idx="minor">
+            <a:schemeClr val="tx1"/>
+          </a:fontRef>
+        </p:style>
+      </p:cxnSp>
+      <p:sp>
+        <p:nvSpPr>
+          <p:cNvPr id="31" name="Rettangolo arrotondato 30"/>
+          <p:cNvSpPr/>
+          <p:nvPr/>
+        </p:nvSpPr>
+        <p:spPr>
+          <a:xfrm>
+            <a:off x="3039412" y="2059650"/>
+            <a:ext cx="1584101" cy="656822"/>
+          </a:xfrm>
+          <a:prstGeom prst="roundRect">
+            <a:avLst/>
+          </a:prstGeom>
+        </p:spPr>
+        <p:style>
+          <a:lnRef idx="2">
+            <a:schemeClr val="accent1">
+              <a:shade val="50000"/>
+            </a:schemeClr>
+          </a:lnRef>
+          <a:fillRef idx="1">
+            <a:schemeClr val="accent1"/>
+          </a:fillRef>
+          <a:effectRef idx="0">
+            <a:schemeClr val="accent1"/>
+          </a:effectRef>
+          <a:fontRef idx="minor">
+            <a:schemeClr val="lt1"/>
+          </a:fontRef>
+        </p:style>
+        <p:txBody>
+          <a:bodyPr rtlCol="0" anchor="ctr"/>
+          <a:lstStyle/>
+          <a:p>
+            <a:pPr algn="ctr"/>
+            <a:r>
+              <a:rPr lang="it-IT" dirty="0" err="1" smtClean="0"/>
+              <a:t>Accepted</a:t>
+            </a:r>
+            <a:endParaRPr lang="it-IT" dirty="0" smtClean="0"/>
+          </a:p>
+        </p:txBody>
+      </p:sp>
+      <p:sp>
+        <p:nvSpPr>
+          <p:cNvPr id="32" name="Rettangolo arrotondato 31"/>
+          <p:cNvSpPr/>
+          <p:nvPr/>
+        </p:nvSpPr>
+        <p:spPr>
+          <a:xfrm>
+            <a:off x="6422837" y="2051098"/>
+            <a:ext cx="1584101" cy="656822"/>
+          </a:xfrm>
+          <a:prstGeom prst="roundRect">
+            <a:avLst/>
+          </a:prstGeom>
+        </p:spPr>
+        <p:style>
+          <a:lnRef idx="2">
+            <a:schemeClr val="accent1">
+              <a:shade val="50000"/>
+            </a:schemeClr>
+          </a:lnRef>
+          <a:fillRef idx="1">
+            <a:schemeClr val="accent1"/>
+          </a:fillRef>
+          <a:effectRef idx="0">
+            <a:schemeClr val="accent1"/>
+          </a:effectRef>
+          <a:fontRef idx="minor">
+            <a:schemeClr val="lt1"/>
+          </a:fontRef>
+        </p:style>
+        <p:txBody>
+          <a:bodyPr rtlCol="0" anchor="ctr"/>
+          <a:lstStyle/>
+          <a:p>
+            <a:pPr algn="ctr"/>
+            <a:r>
+              <a:rPr lang="it-IT" dirty="0" err="1" smtClean="0"/>
+              <a:t>Checked</a:t>
+            </a:r>
+            <a:endParaRPr lang="it-IT" dirty="0"/>
+          </a:p>
+        </p:txBody>
+      </p:sp>
+      <p:cxnSp>
+        <p:nvCxnSpPr>
+          <p:cNvPr id="33" name="Connettore 2 32"/>
+          <p:cNvCxnSpPr>
+            <a:stCxn id="8" idx="3"/>
+            <a:endCxn id="32" idx="1"/>
+          </p:cNvCxnSpPr>
+          <p:nvPr/>
+        </p:nvCxnSpPr>
+        <p:spPr>
+          <a:xfrm>
+            <a:off x="4597754" y="1272931"/>
+            <a:ext cx="1825083" cy="1106578"/>
+          </a:xfrm>
+          <a:prstGeom prst="straightConnector1">
+            <a:avLst/>
+          </a:prstGeom>
+          <a:ln>
+            <a:tailEnd type="triangle"/>
+          </a:ln>
+        </p:spPr>
+        <p:style>
+          <a:lnRef idx="1">
+            <a:schemeClr val="accent1"/>
+          </a:lnRef>
+          <a:fillRef idx="0">
+            <a:schemeClr val="accent1"/>
+          </a:fillRef>
+          <a:effectRef idx="0">
+            <a:schemeClr val="accent1"/>
+          </a:effectRef>
+          <a:fontRef idx="minor">
+            <a:schemeClr val="tx1"/>
+          </a:fontRef>
+        </p:style>
+      </p:cxnSp>
+      <p:cxnSp>
+        <p:nvCxnSpPr>
+          <p:cNvPr id="36" name="Connettore 2 35"/>
+          <p:cNvCxnSpPr>
+            <a:stCxn id="31" idx="3"/>
+            <a:endCxn id="32" idx="1"/>
+          </p:cNvCxnSpPr>
+          <p:nvPr/>
+        </p:nvCxnSpPr>
+        <p:spPr>
+          <a:xfrm flipV="1">
+            <a:off x="4623513" y="2379509"/>
+            <a:ext cx="1799324" cy="8552"/>
+          </a:xfrm>
+          <a:prstGeom prst="straightConnector1">
+            <a:avLst/>
+          </a:prstGeom>
+          <a:ln>
+            <a:tailEnd type="triangle"/>
+          </a:ln>
+        </p:spPr>
+        <p:style>
+          <a:lnRef idx="1">
+            <a:schemeClr val="accent1"/>
+          </a:lnRef>
+          <a:fillRef idx="0">
+            <a:schemeClr val="accent1"/>
+          </a:fillRef>
+          <a:effectRef idx="0">
+            <a:schemeClr val="accent1"/>
+          </a:effectRef>
+          <a:fontRef idx="minor">
+            <a:schemeClr val="tx1"/>
+          </a:fontRef>
+        </p:style>
+      </p:cxnSp>
+      <p:cxnSp>
+        <p:nvCxnSpPr>
+          <p:cNvPr id="41" name="Connettore 2 40"/>
+          <p:cNvCxnSpPr>
+            <a:stCxn id="19" idx="3"/>
+            <a:endCxn id="32" idx="1"/>
+          </p:cNvCxnSpPr>
+          <p:nvPr/>
+        </p:nvCxnSpPr>
+        <p:spPr>
+          <a:xfrm flipV="1">
+            <a:off x="4597755" y="2379509"/>
+            <a:ext cx="1825082" cy="1123683"/>
+          </a:xfrm>
+          <a:prstGeom prst="straightConnector1">
+            <a:avLst/>
+          </a:prstGeom>
+          <a:ln>
+            <a:tailEnd type="triangle"/>
+          </a:ln>
+        </p:spPr>
+        <p:style>
+          <a:lnRef idx="1">
+            <a:schemeClr val="accent1"/>
+          </a:lnRef>
+          <a:fillRef idx="0">
+            <a:schemeClr val="accent1"/>
+          </a:fillRef>
+          <a:effectRef idx="0">
+            <a:schemeClr val="accent1"/>
+          </a:effectRef>
+          <a:fontRef idx="minor">
+            <a:schemeClr val="tx1"/>
+          </a:fontRef>
+        </p:style>
+      </p:cxnSp>
+      <p:sp>
+        <p:nvSpPr>
+          <p:cNvPr id="47" name="Rettangolo arrotondato 46"/>
+          <p:cNvSpPr/>
+          <p:nvPr/>
+        </p:nvSpPr>
+        <p:spPr>
+          <a:xfrm>
+            <a:off x="9014211" y="2051098"/>
+            <a:ext cx="1584101" cy="656822"/>
+          </a:xfrm>
+          <a:prstGeom prst="roundRect">
+            <a:avLst/>
+          </a:prstGeom>
+        </p:spPr>
+        <p:style>
+          <a:lnRef idx="2">
+            <a:schemeClr val="accent1">
+              <a:shade val="50000"/>
+            </a:schemeClr>
+          </a:lnRef>
+          <a:fillRef idx="1">
+            <a:schemeClr val="accent1"/>
+          </a:fillRef>
+          <a:effectRef idx="0">
+            <a:schemeClr val="accent1"/>
+          </a:effectRef>
+          <a:fontRef idx="minor">
+            <a:schemeClr val="lt1"/>
+          </a:fontRef>
+        </p:style>
+        <p:txBody>
+          <a:bodyPr rtlCol="0" anchor="ctr"/>
+          <a:lstStyle/>
+          <a:p>
+            <a:pPr algn="ctr"/>
+            <a:r>
+              <a:rPr lang="it-IT" dirty="0" err="1" smtClean="0"/>
+              <a:t>Inserted</a:t>
+            </a:r>
+            <a:r>
+              <a:rPr lang="it-IT" dirty="0" smtClean="0"/>
+              <a:t> on </a:t>
+            </a:r>
+            <a:r>
+              <a:rPr lang="it-IT" dirty="0" err="1" smtClean="0"/>
+              <a:t>calendar</a:t>
+            </a:r>
+            <a:endParaRPr lang="it-IT" dirty="0"/>
+          </a:p>
+        </p:txBody>
+      </p:sp>
+      <p:cxnSp>
+        <p:nvCxnSpPr>
+          <p:cNvPr id="48" name="Connettore 2 47"/>
+          <p:cNvCxnSpPr>
+            <a:stCxn id="32" idx="3"/>
+            <a:endCxn id="47" idx="1"/>
+          </p:cNvCxnSpPr>
+          <p:nvPr/>
+        </p:nvCxnSpPr>
+        <p:spPr>
+          <a:xfrm>
+            <a:off x="8006938" y="2379509"/>
+            <a:ext cx="1007273" cy="0"/>
+          </a:xfrm>
+          <a:prstGeom prst="straightConnector1">
+            <a:avLst/>
+          </a:prstGeom>
+          <a:ln>
+            <a:tailEnd type="triangle"/>
+          </a:ln>
+        </p:spPr>
+        <p:style>
+          <a:lnRef idx="1">
+            <a:schemeClr val="accent1"/>
+          </a:lnRef>
+          <a:fillRef idx="0">
+            <a:schemeClr val="accent1"/>
+          </a:fillRef>
+          <a:effectRef idx="0">
+            <a:schemeClr val="accent1"/>
+          </a:effectRef>
+          <a:fontRef idx="minor">
+            <a:schemeClr val="tx1"/>
+          </a:fontRef>
+        </p:style>
+      </p:cxnSp>
+      <p:sp>
+        <p:nvSpPr>
+          <p:cNvPr id="51" name="Ovale 50"/>
+          <p:cNvSpPr/>
+          <p:nvPr/>
+        </p:nvSpPr>
+        <p:spPr>
+          <a:xfrm>
+            <a:off x="943874" y="5159200"/>
+            <a:ext cx="296214" cy="283335"/>
+          </a:xfrm>
+          <a:prstGeom prst="ellipse">
+            <a:avLst/>
+          </a:prstGeom>
+          <a:solidFill>
+            <a:schemeClr val="tx1"/>
+          </a:solidFill>
+          <a:ln w="12700">
+            <a:solidFill>
+              <a:schemeClr val="bg2"/>
+            </a:solidFill>
+          </a:ln>
+        </p:spPr>
+        <p:style>
+          <a:lnRef idx="2">
+            <a:schemeClr val="accent1">
+              <a:shade val="50000"/>
+            </a:schemeClr>
+          </a:lnRef>
+          <a:fillRef idx="1">
+            <a:schemeClr val="accent1"/>
+          </a:fillRef>
+          <a:effectRef idx="0">
+            <a:schemeClr val="accent1"/>
+          </a:effectRef>
+          <a:fontRef idx="minor">
+            <a:schemeClr val="lt1"/>
+          </a:fontRef>
+        </p:style>
+        <p:txBody>
+          <a:bodyPr rtlCol="0" anchor="ctr"/>
+          <a:lstStyle/>
+          <a:p>
+            <a:pPr algn="ctr"/>
+            <a:endParaRPr lang="it-IT"/>
+          </a:p>
+        </p:txBody>
+      </p:sp>
+      <p:cxnSp>
+        <p:nvCxnSpPr>
+          <p:cNvPr id="52" name="Connettore 2 51"/>
+          <p:cNvCxnSpPr>
+            <a:stCxn id="51" idx="6"/>
+            <a:endCxn id="57" idx="1"/>
+          </p:cNvCxnSpPr>
+          <p:nvPr/>
+        </p:nvCxnSpPr>
+        <p:spPr>
+          <a:xfrm flipV="1">
+            <a:off x="1240088" y="5300867"/>
+            <a:ext cx="2288162" cy="1"/>
+          </a:xfrm>
+          <a:prstGeom prst="straightConnector1">
+            <a:avLst/>
+          </a:prstGeom>
+          <a:ln>
+            <a:tailEnd type="triangle"/>
+          </a:ln>
+        </p:spPr>
+        <p:style>
+          <a:lnRef idx="1">
+            <a:schemeClr val="accent1"/>
+          </a:lnRef>
+          <a:fillRef idx="0">
+            <a:schemeClr val="accent1"/>
+          </a:fillRef>
+          <a:effectRef idx="0">
+            <a:schemeClr val="accent1"/>
+          </a:effectRef>
+          <a:fontRef idx="minor">
+            <a:schemeClr val="tx1"/>
+          </a:fontRef>
+        </p:style>
+      </p:cxnSp>
+      <p:sp>
+        <p:nvSpPr>
+          <p:cNvPr id="55" name="CasellaDiTesto 54"/>
+          <p:cNvSpPr txBox="1"/>
+          <p:nvPr/>
+        </p:nvSpPr>
+        <p:spPr>
+          <a:xfrm>
+            <a:off x="1283468" y="4931535"/>
+            <a:ext cx="2244782" cy="369332"/>
+          </a:xfrm>
+          <a:prstGeom prst="rect">
+            <a:avLst/>
+          </a:prstGeom>
+          <a:noFill/>
+        </p:spPr>
+        <p:txBody>
+          <a:bodyPr wrap="none" rtlCol="0">
+            <a:spAutoFit/>
+          </a:bodyPr>
+          <a:lstStyle/>
+          <a:p>
+            <a:r>
+              <a:rPr lang="it-IT" dirty="0" err="1" smtClean="0"/>
+              <a:t>Creating</a:t>
+            </a:r>
+            <a:r>
+              <a:rPr lang="it-IT" dirty="0" smtClean="0"/>
+              <a:t> </a:t>
+            </a:r>
+            <a:r>
+              <a:rPr lang="it-IT" dirty="0" err="1" smtClean="0"/>
+              <a:t>appointment</a:t>
+            </a:r>
+            <a:endParaRPr lang="it-IT" dirty="0" smtClean="0"/>
+          </a:p>
+        </p:txBody>
+      </p:sp>
+      <p:sp>
+        <p:nvSpPr>
+          <p:cNvPr id="57" name="Rettangolo arrotondato 56"/>
+          <p:cNvSpPr/>
+          <p:nvPr/>
+        </p:nvSpPr>
+        <p:spPr>
+          <a:xfrm>
+            <a:off x="3528250" y="4972456"/>
+            <a:ext cx="1584101" cy="656822"/>
+          </a:xfrm>
+          <a:prstGeom prst="roundRect">
+            <a:avLst/>
+          </a:prstGeom>
+        </p:spPr>
+        <p:style>
+          <a:lnRef idx="2">
+            <a:schemeClr val="accent1">
+              <a:shade val="50000"/>
+            </a:schemeClr>
+          </a:lnRef>
+          <a:fillRef idx="1">
+            <a:schemeClr val="accent1"/>
+          </a:fillRef>
+          <a:effectRef idx="0">
+            <a:schemeClr val="accent1"/>
+          </a:effectRef>
+          <a:fontRef idx="minor">
+            <a:schemeClr val="lt1"/>
+          </a:fontRef>
+        </p:style>
+        <p:txBody>
+          <a:bodyPr rtlCol="0" anchor="ctr"/>
+          <a:lstStyle/>
+          <a:p>
+            <a:pPr algn="ctr"/>
+            <a:r>
+              <a:rPr lang="it-IT" dirty="0" smtClean="0"/>
+              <a:t>New</a:t>
+            </a:r>
+            <a:endParaRPr lang="it-IT" dirty="0"/>
+          </a:p>
+        </p:txBody>
+      </p:sp>
+      <p:cxnSp>
+        <p:nvCxnSpPr>
+          <p:cNvPr id="59" name="Connettore 2 58"/>
+          <p:cNvCxnSpPr>
+            <a:stCxn id="57" idx="3"/>
+            <a:endCxn id="60" idx="1"/>
+          </p:cNvCxnSpPr>
+          <p:nvPr/>
+        </p:nvCxnSpPr>
+        <p:spPr>
+          <a:xfrm flipV="1">
+            <a:off x="5112351" y="4160014"/>
+            <a:ext cx="1837398" cy="1140853"/>
+          </a:xfrm>
+          <a:prstGeom prst="straightConnector1">
+            <a:avLst/>
+          </a:prstGeom>
+          <a:ln>
+            <a:tailEnd type="triangle"/>
+          </a:ln>
+        </p:spPr>
+        <p:style>
+          <a:lnRef idx="1">
+            <a:schemeClr val="accent1"/>
+          </a:lnRef>
+          <a:fillRef idx="0">
+            <a:schemeClr val="accent1"/>
+          </a:fillRef>
+          <a:effectRef idx="0">
+            <a:schemeClr val="accent1"/>
+          </a:effectRef>
+          <a:fontRef idx="minor">
+            <a:schemeClr val="tx1"/>
+          </a:fontRef>
+        </p:style>
+      </p:cxnSp>
+      <p:sp>
+        <p:nvSpPr>
+          <p:cNvPr id="60" name="Rettangolo arrotondato 59"/>
+          <p:cNvSpPr/>
+          <p:nvPr/>
+        </p:nvSpPr>
+        <p:spPr>
+          <a:xfrm>
+            <a:off x="6949749" y="3831603"/>
+            <a:ext cx="1584101" cy="656822"/>
+          </a:xfrm>
+          <a:prstGeom prst="roundRect">
+            <a:avLst/>
+          </a:prstGeom>
+        </p:spPr>
+        <p:style>
+          <a:lnRef idx="2">
+            <a:schemeClr val="accent1">
+              <a:shade val="50000"/>
+            </a:schemeClr>
+          </a:lnRef>
+          <a:fillRef idx="1">
+            <a:schemeClr val="accent1"/>
+          </a:fillRef>
+          <a:effectRef idx="0">
+            <a:schemeClr val="accent1"/>
+          </a:effectRef>
+          <a:fontRef idx="minor">
+            <a:schemeClr val="lt1"/>
+          </a:fontRef>
+        </p:style>
+        <p:txBody>
+          <a:bodyPr rtlCol="0" anchor="ctr"/>
+          <a:lstStyle/>
+          <a:p>
+            <a:pPr algn="ctr"/>
+            <a:r>
+              <a:rPr lang="it-IT" dirty="0" err="1" smtClean="0"/>
+              <a:t>Unreachable</a:t>
+            </a:r>
+            <a:endParaRPr lang="it-IT" dirty="0"/>
+          </a:p>
+        </p:txBody>
+      </p:sp>
+      <p:sp>
+        <p:nvSpPr>
+          <p:cNvPr id="61" name="Rettangolo arrotondato 60"/>
+          <p:cNvSpPr/>
+          <p:nvPr/>
+        </p:nvSpPr>
+        <p:spPr>
+          <a:xfrm>
+            <a:off x="6949750" y="6087587"/>
+            <a:ext cx="1584101" cy="656822"/>
+          </a:xfrm>
+          <a:prstGeom prst="roundRect">
+            <a:avLst/>
+          </a:prstGeom>
+        </p:spPr>
+        <p:style>
+          <a:lnRef idx="2">
+            <a:schemeClr val="accent1">
+              <a:shade val="50000"/>
+            </a:schemeClr>
+          </a:lnRef>
+          <a:fillRef idx="1">
+            <a:schemeClr val="accent1"/>
+          </a:fillRef>
+          <a:effectRef idx="0">
+            <a:schemeClr val="accent1"/>
+          </a:effectRef>
+          <a:fontRef idx="minor">
+            <a:schemeClr val="lt1"/>
+          </a:fontRef>
+        </p:style>
+        <p:txBody>
+          <a:bodyPr rtlCol="0" anchor="ctr"/>
+          <a:lstStyle/>
+          <a:p>
+            <a:pPr algn="ctr"/>
+            <a:r>
+              <a:rPr lang="it-IT" dirty="0" err="1" smtClean="0"/>
+              <a:t>Overlapped</a:t>
+            </a:r>
+            <a:endParaRPr lang="it-IT" dirty="0" smtClean="0"/>
+          </a:p>
+        </p:txBody>
+      </p:sp>
+      <p:cxnSp>
+        <p:nvCxnSpPr>
+          <p:cNvPr id="62" name="Connettore 2 61"/>
+          <p:cNvCxnSpPr>
+            <a:stCxn id="57" idx="3"/>
+          </p:cNvCxnSpPr>
+          <p:nvPr/>
+        </p:nvCxnSpPr>
+        <p:spPr>
+          <a:xfrm>
+            <a:off x="5112351" y="5300867"/>
+            <a:ext cx="1863157" cy="1089373"/>
+          </a:xfrm>
+          <a:prstGeom prst="straightConnector1">
+            <a:avLst/>
+          </a:prstGeom>
+          <a:ln>
+            <a:tailEnd type="triangle"/>
+          </a:ln>
+        </p:spPr>
+        <p:style>
+          <a:lnRef idx="1">
+            <a:schemeClr val="accent1"/>
+          </a:lnRef>
+          <a:fillRef idx="0">
+            <a:schemeClr val="accent1"/>
+          </a:fillRef>
+          <a:effectRef idx="0">
+            <a:schemeClr val="accent1"/>
+          </a:effectRef>
+          <a:fontRef idx="minor">
+            <a:schemeClr val="tx1"/>
+          </a:fontRef>
+        </p:style>
+      </p:cxnSp>
+      <p:cxnSp>
+        <p:nvCxnSpPr>
+          <p:cNvPr id="63" name="Connettore 2 62"/>
+          <p:cNvCxnSpPr>
+            <a:stCxn id="57" idx="3"/>
+            <a:endCxn id="64" idx="1"/>
+          </p:cNvCxnSpPr>
+          <p:nvPr/>
+        </p:nvCxnSpPr>
+        <p:spPr>
+          <a:xfrm flipV="1">
+            <a:off x="5112351" y="5266560"/>
+            <a:ext cx="1837398" cy="34307"/>
+          </a:xfrm>
+          <a:prstGeom prst="straightConnector1">
+            <a:avLst/>
+          </a:prstGeom>
+          <a:ln>
+            <a:tailEnd type="triangle"/>
+          </a:ln>
+        </p:spPr>
+        <p:style>
+          <a:lnRef idx="1">
+            <a:schemeClr val="accent1"/>
+          </a:lnRef>
+          <a:fillRef idx="0">
+            <a:schemeClr val="accent1"/>
+          </a:fillRef>
+          <a:effectRef idx="0">
+            <a:schemeClr val="accent1"/>
+          </a:effectRef>
+          <a:fontRef idx="minor">
+            <a:schemeClr val="tx1"/>
+          </a:fontRef>
+        </p:style>
+      </p:cxnSp>
+      <p:sp>
+        <p:nvSpPr>
+          <p:cNvPr id="64" name="Rettangolo arrotondato 63"/>
+          <p:cNvSpPr/>
+          <p:nvPr/>
+        </p:nvSpPr>
+        <p:spPr>
+          <a:xfrm>
+            <a:off x="6949749" y="4938149"/>
+            <a:ext cx="1584101" cy="656822"/>
+          </a:xfrm>
+          <a:prstGeom prst="roundRect">
+            <a:avLst/>
+          </a:prstGeom>
+        </p:spPr>
+        <p:style>
+          <a:lnRef idx="2">
+            <a:schemeClr val="accent1">
+              <a:shade val="50000"/>
+            </a:schemeClr>
+          </a:lnRef>
+          <a:fillRef idx="1">
+            <a:schemeClr val="accent1"/>
+          </a:fillRef>
+          <a:effectRef idx="0">
+            <a:schemeClr val="accent1"/>
+          </a:effectRef>
+          <a:fontRef idx="minor">
+            <a:schemeClr val="lt1"/>
+          </a:fontRef>
+        </p:style>
+        <p:txBody>
+          <a:bodyPr rtlCol="0" anchor="ctr"/>
+          <a:lstStyle/>
+          <a:p>
+            <a:pPr algn="ctr"/>
+            <a:r>
+              <a:rPr lang="it-IT" dirty="0" err="1" smtClean="0"/>
+              <a:t>Accepted</a:t>
+            </a:r>
+            <a:endParaRPr lang="it-IT" dirty="0" smtClean="0"/>
+          </a:p>
+        </p:txBody>
+      </p:sp>
+    </p:spTree>
+    <p:extLst>
+      <p:ext uri="{BB962C8B-B14F-4D97-AF65-F5344CB8AC3E}">
+        <p14:creationId xmlns:p14="http://schemas.microsoft.com/office/powerpoint/2010/main" val="373693501"/>
       </p:ext>
     </p:extLst>
   </p:cSld>
